--- a/leasson-3/JavaScript-lecture-3.pptx
+++ b/leasson-3/JavaScript-lecture-3.pptx
@@ -8020,7 +8020,7 @@
               </a:rPr>
               <a:t>стилль</a:t>
             </a:r>
-            <a:endParaRPr lang="en-US" sz="2000" dirty="0">
+            <a:endParaRPr lang="en-US" sz="2000" dirty="0" smtClean="0">
               <a:effectLst/>
             </a:endParaRPr>
           </a:p>
@@ -8048,35 +8048,35 @@
               <a:rPr lang="en-US" sz="1600" dirty="0" smtClean="0">
                 <a:effectLst/>
               </a:rPr>
-              <a:t>function (</a:t>
+              <a:t>function (number1, number2){</a:t>
+            </a:r>
+          </a:p>
+          <a:p>
+            <a:pPr marL="457200" lvl="1" indent="0">
+              <a:buNone/>
+            </a:pPr>
+            <a:r>
+              <a:rPr lang="en-US" sz="1600" dirty="0" smtClean="0">
+                <a:effectLst/>
+              </a:rPr>
+              <a:t>	return number1 * number2;</a:t>
+            </a:r>
+          </a:p>
+          <a:p>
+            <a:pPr marL="457200" lvl="1" indent="0">
+              <a:buNone/>
+            </a:pPr>
+            <a:r>
+              <a:rPr lang="en-US" sz="1600" dirty="0" smtClean="0">
+                <a:effectLst/>
+              </a:rPr>
+              <a:t>    </a:t>
             </a:r>
             <a:r>
               <a:rPr lang="en-US" sz="1600" dirty="0">
                 <a:effectLst/>
               </a:rPr>
-              <a:t>number1, number2){</a:t>
-            </a:r>
-          </a:p>
-          <a:p>
-            <a:pPr marL="457200" lvl="1" indent="0">
-              <a:buNone/>
-            </a:pPr>
-            <a:r>
-              <a:rPr lang="en-US" sz="1600" dirty="0">
-                <a:effectLst/>
-              </a:rPr>
-              <a:t>	return number1 * number2;</a:t>
-            </a:r>
-          </a:p>
-          <a:p>
-            <a:pPr marL="457200" lvl="1" indent="0">
-              <a:buNone/>
-            </a:pPr>
-            <a:r>
-              <a:rPr lang="en-US" sz="1600" dirty="0">
-                <a:effectLst/>
-              </a:rPr>
-              <a:t>    } </a:t>
+              <a:t>} </a:t>
             </a:r>
             <a:endParaRPr lang="en-US" sz="1600" dirty="0" smtClean="0">
               <a:effectLst/>
@@ -8175,19 +8175,19 @@
               <a:t> result = </a:t>
             </a:r>
             <a:r>
-              <a:rPr lang="en-US" sz="1600" dirty="0" err="1">
-                <a:effectLst/>
-              </a:rPr>
-              <a:t>function.apply</a:t>
-            </a:r>
-            <a:r>
-              <a:rPr lang="en-US" sz="1600" dirty="0">
+              <a:rPr lang="en-US" sz="1600" dirty="0" err="1" smtClean="0">
+                <a:effectLst/>
+              </a:rPr>
+              <a:t>fun.apply</a:t>
+            </a:r>
+            <a:r>
+              <a:rPr lang="en-US" sz="1600" dirty="0" smtClean="0">
                 <a:effectLst/>
               </a:rPr>
               <a:t>(</a:t>
             </a:r>
             <a:r>
-              <a:rPr lang="en-US" sz="1600" dirty="0" err="1">
+              <a:rPr lang="en-US" sz="1600" dirty="0" err="1" smtClean="0">
                 <a:effectLst/>
               </a:rPr>
               <a:t>thisArg</a:t>
@@ -8329,20 +8329,6 @@
               <a:rPr lang="uk-UA" sz="2000" dirty="0" smtClean="0">
                 <a:effectLst/>
               </a:rPr>
-              <a:t>Замикання – це функція з усіма зовнішніми змінними котрі </a:t>
-            </a:r>
-            <a:r>
-              <a:rPr lang="uk-UA" sz="2000" smtClean="0">
-                <a:effectLst/>
-              </a:rPr>
-              <a:t>їй доступні</a:t>
-            </a:r>
-          </a:p>
-          <a:p>
-            <a:r>
-              <a:rPr lang="uk-UA" sz="2000" dirty="0" smtClean="0">
-                <a:effectLst/>
-              </a:rPr>
               <a:t>Ключове слово </a:t>
             </a:r>
             <a:r>
@@ -8729,9 +8715,18 @@
           <a:bodyPr/>
           <a:lstStyle/>
           <a:p>
-            <a:endParaRPr lang="uk-UA" sz="1600" dirty="0" smtClean="0"/>
-          </a:p>
-          <a:p>
+            <a:r>
+              <a:rPr lang="uk-UA" sz="2000" dirty="0">
+                <a:effectLst/>
+              </a:rPr>
+              <a:t>Замикання – це функція з усіма зовнішніми змінними котрі їй </a:t>
+            </a:r>
+            <a:r>
+              <a:rPr lang="uk-UA" sz="2000" dirty="0" smtClean="0">
+                <a:effectLst/>
+              </a:rPr>
+              <a:t>доступні</a:t>
+            </a:r>
             <a:endParaRPr lang="uk-UA" sz="1600" dirty="0"/>
           </a:p>
           <a:p>
